--- a/ppt 16-9/1032.跟随我.pptx
+++ b/ppt 16-9/1032.跟随我.pptx
@@ -129,7 +129,7 @@
           <p:cNvPr id="2" name="标题 1">
             <a:extLst>
               <a:ext uri="{FF2B5EF4-FFF2-40B4-BE49-F238E27FC236}">
-                <a16:creationId xmlns:a16="http://schemas.microsoft.com/office/drawing/2014/main" id="{A2A2DDE0-C047-C3FA-AFD0-499286287FC8}"/>
+                <a16:creationId xmlns:a16="http://schemas.microsoft.com/office/drawing/2014/main" id="{FF9062B7-F5C0-B1D8-5B64-F114860AB7EB}"/>
               </a:ext>
             </a:extLst>
           </p:cNvPr>
@@ -166,7 +166,7 @@
           <p:cNvPr id="3" name="副标题 2">
             <a:extLst>
               <a:ext uri="{FF2B5EF4-FFF2-40B4-BE49-F238E27FC236}">
-                <a16:creationId xmlns:a16="http://schemas.microsoft.com/office/drawing/2014/main" id="{1CC9A390-E6DC-FD4A-3E8F-5A8CDA272A72}"/>
+                <a16:creationId xmlns:a16="http://schemas.microsoft.com/office/drawing/2014/main" id="{2E564EBA-147F-8A36-C35B-CBBBE39AAEA8}"/>
               </a:ext>
             </a:extLst>
           </p:cNvPr>
@@ -236,7 +236,7 @@
           <p:cNvPr id="4" name="日期占位符 3">
             <a:extLst>
               <a:ext uri="{FF2B5EF4-FFF2-40B4-BE49-F238E27FC236}">
-                <a16:creationId xmlns:a16="http://schemas.microsoft.com/office/drawing/2014/main" id="{E79536C9-4DAB-5949-E24A-4309EFD94F65}"/>
+                <a16:creationId xmlns:a16="http://schemas.microsoft.com/office/drawing/2014/main" id="{40B9DC5C-BCD6-EF3C-6799-6241F57151B8}"/>
               </a:ext>
             </a:extLst>
           </p:cNvPr>
@@ -252,7 +252,7 @@
           <a:bodyPr/>
           <a:lstStyle/>
           <a:p>
-            <a:fld id="{6D654D68-66EA-4448-8F8B-41B128372DAE}" type="datetimeFigureOut">
+            <a:fld id="{1C713123-A116-49C7-97A4-A67734CD4A1B}" type="datetimeFigureOut">
               <a:rPr lang="zh-CN" altLang="en-US" smtClean="0"/>
               <a:t>2024/3/10</a:t>
             </a:fld>
@@ -265,7 +265,7 @@
           <p:cNvPr id="5" name="页脚占位符 4">
             <a:extLst>
               <a:ext uri="{FF2B5EF4-FFF2-40B4-BE49-F238E27FC236}">
-                <a16:creationId xmlns:a16="http://schemas.microsoft.com/office/drawing/2014/main" id="{72C9B497-8129-B273-53C8-C809E89855E8}"/>
+                <a16:creationId xmlns:a16="http://schemas.microsoft.com/office/drawing/2014/main" id="{94CA5A1F-D8FB-0862-E21B-A0D49B6BB9F6}"/>
               </a:ext>
             </a:extLst>
           </p:cNvPr>
@@ -290,7 +290,7 @@
           <p:cNvPr id="6" name="灯片编号占位符 5">
             <a:extLst>
               <a:ext uri="{FF2B5EF4-FFF2-40B4-BE49-F238E27FC236}">
-                <a16:creationId xmlns:a16="http://schemas.microsoft.com/office/drawing/2014/main" id="{DCC6E5AF-7731-3D97-9D02-363F0E46B864}"/>
+                <a16:creationId xmlns:a16="http://schemas.microsoft.com/office/drawing/2014/main" id="{8D6AF3CC-3743-69F3-4691-2090E31F51C2}"/>
               </a:ext>
             </a:extLst>
           </p:cNvPr>
@@ -306,7 +306,7 @@
           <a:bodyPr/>
           <a:lstStyle/>
           <a:p>
-            <a:fld id="{C95FBE8C-476E-4211-A347-745D0C580D04}" type="slidenum">
+            <a:fld id="{52A4AE9B-524B-40F1-9EEB-3418067A2A03}" type="slidenum">
               <a:rPr lang="zh-CN" altLang="en-US" smtClean="0"/>
               <a:t>‹#›</a:t>
             </a:fld>
@@ -317,7 +317,7 @@
     </p:spTree>
     <p:extLst>
       <p:ext uri="{BB962C8B-B14F-4D97-AF65-F5344CB8AC3E}">
-        <p14:creationId xmlns:p14="http://schemas.microsoft.com/office/powerpoint/2010/main" val="3077391298"/>
+        <p14:creationId xmlns:p14="http://schemas.microsoft.com/office/powerpoint/2010/main" val="1316110598"/>
       </p:ext>
     </p:extLst>
   </p:cSld>
@@ -349,7 +349,7 @@
           <p:cNvPr id="2" name="标题 1">
             <a:extLst>
               <a:ext uri="{FF2B5EF4-FFF2-40B4-BE49-F238E27FC236}">
-                <a16:creationId xmlns:a16="http://schemas.microsoft.com/office/drawing/2014/main" id="{72DA950F-9676-CED9-62BB-E1390E76B6A4}"/>
+                <a16:creationId xmlns:a16="http://schemas.microsoft.com/office/drawing/2014/main" id="{06CCD6F1-EE8F-802B-6389-109269EC4B2E}"/>
               </a:ext>
             </a:extLst>
           </p:cNvPr>
@@ -377,7 +377,7 @@
           <p:cNvPr id="3" name="竖排文字占位符 2">
             <a:extLst>
               <a:ext uri="{FF2B5EF4-FFF2-40B4-BE49-F238E27FC236}">
-                <a16:creationId xmlns:a16="http://schemas.microsoft.com/office/drawing/2014/main" id="{1A5299A7-E02F-52A4-B3D0-7C901F97FDCC}"/>
+                <a16:creationId xmlns:a16="http://schemas.microsoft.com/office/drawing/2014/main" id="{F8B5C4A8-BF3E-83F1-106F-35AD3CF9F664}"/>
               </a:ext>
             </a:extLst>
           </p:cNvPr>
@@ -434,7 +434,7 @@
           <p:cNvPr id="4" name="日期占位符 3">
             <a:extLst>
               <a:ext uri="{FF2B5EF4-FFF2-40B4-BE49-F238E27FC236}">
-                <a16:creationId xmlns:a16="http://schemas.microsoft.com/office/drawing/2014/main" id="{72500F36-70F6-1419-0054-1BDC4604D5B6}"/>
+                <a16:creationId xmlns:a16="http://schemas.microsoft.com/office/drawing/2014/main" id="{F8E84906-B8C8-88E2-D61D-188320015842}"/>
               </a:ext>
             </a:extLst>
           </p:cNvPr>
@@ -450,7 +450,7 @@
           <a:bodyPr/>
           <a:lstStyle/>
           <a:p>
-            <a:fld id="{6D654D68-66EA-4448-8F8B-41B128372DAE}" type="datetimeFigureOut">
+            <a:fld id="{1C713123-A116-49C7-97A4-A67734CD4A1B}" type="datetimeFigureOut">
               <a:rPr lang="zh-CN" altLang="en-US" smtClean="0"/>
               <a:t>2024/3/10</a:t>
             </a:fld>
@@ -463,7 +463,7 @@
           <p:cNvPr id="5" name="页脚占位符 4">
             <a:extLst>
               <a:ext uri="{FF2B5EF4-FFF2-40B4-BE49-F238E27FC236}">
-                <a16:creationId xmlns:a16="http://schemas.microsoft.com/office/drawing/2014/main" id="{A12C8F09-6F1D-8231-24DE-1D754F50B4D0}"/>
+                <a16:creationId xmlns:a16="http://schemas.microsoft.com/office/drawing/2014/main" id="{9461861C-967A-A3CB-BAF1-848FC55433FA}"/>
               </a:ext>
             </a:extLst>
           </p:cNvPr>
@@ -488,7 +488,7 @@
           <p:cNvPr id="6" name="灯片编号占位符 5">
             <a:extLst>
               <a:ext uri="{FF2B5EF4-FFF2-40B4-BE49-F238E27FC236}">
-                <a16:creationId xmlns:a16="http://schemas.microsoft.com/office/drawing/2014/main" id="{E90C8D58-321F-7C41-2181-E7651201A5DE}"/>
+                <a16:creationId xmlns:a16="http://schemas.microsoft.com/office/drawing/2014/main" id="{C5E0AB2E-88FA-A38E-102E-D45FBE58F307}"/>
               </a:ext>
             </a:extLst>
           </p:cNvPr>
@@ -504,7 +504,7 @@
           <a:bodyPr/>
           <a:lstStyle/>
           <a:p>
-            <a:fld id="{C95FBE8C-476E-4211-A347-745D0C580D04}" type="slidenum">
+            <a:fld id="{52A4AE9B-524B-40F1-9EEB-3418067A2A03}" type="slidenum">
               <a:rPr lang="zh-CN" altLang="en-US" smtClean="0"/>
               <a:t>‹#›</a:t>
             </a:fld>
@@ -515,7 +515,7 @@
     </p:spTree>
     <p:extLst>
       <p:ext uri="{BB962C8B-B14F-4D97-AF65-F5344CB8AC3E}">
-        <p14:creationId xmlns:p14="http://schemas.microsoft.com/office/powerpoint/2010/main" val="1829823688"/>
+        <p14:creationId xmlns:p14="http://schemas.microsoft.com/office/powerpoint/2010/main" val="2190239930"/>
       </p:ext>
     </p:extLst>
   </p:cSld>
@@ -547,7 +547,7 @@
           <p:cNvPr id="2" name="竖排标题 1">
             <a:extLst>
               <a:ext uri="{FF2B5EF4-FFF2-40B4-BE49-F238E27FC236}">
-                <a16:creationId xmlns:a16="http://schemas.microsoft.com/office/drawing/2014/main" id="{0244AC53-8F6E-C63D-69CD-B8B17635A759}"/>
+                <a16:creationId xmlns:a16="http://schemas.microsoft.com/office/drawing/2014/main" id="{DE2F2AAA-75FE-BDE9-5AEB-2E6F8EE501F7}"/>
               </a:ext>
             </a:extLst>
           </p:cNvPr>
@@ -580,7 +580,7 @@
           <p:cNvPr id="3" name="竖排文字占位符 2">
             <a:extLst>
               <a:ext uri="{FF2B5EF4-FFF2-40B4-BE49-F238E27FC236}">
-                <a16:creationId xmlns:a16="http://schemas.microsoft.com/office/drawing/2014/main" id="{C361109C-0C7B-BE44-5D9F-4507C864CB2D}"/>
+                <a16:creationId xmlns:a16="http://schemas.microsoft.com/office/drawing/2014/main" id="{F59AB1E2-8C2B-6BD5-CFF5-0A7D289998D9}"/>
               </a:ext>
             </a:extLst>
           </p:cNvPr>
@@ -642,7 +642,7 @@
           <p:cNvPr id="4" name="日期占位符 3">
             <a:extLst>
               <a:ext uri="{FF2B5EF4-FFF2-40B4-BE49-F238E27FC236}">
-                <a16:creationId xmlns:a16="http://schemas.microsoft.com/office/drawing/2014/main" id="{813F5936-9C49-E7EF-4A46-3DFA13EAF048}"/>
+                <a16:creationId xmlns:a16="http://schemas.microsoft.com/office/drawing/2014/main" id="{38FE3839-F457-8F9E-BBAA-1DBBBC0A1DA8}"/>
               </a:ext>
             </a:extLst>
           </p:cNvPr>
@@ -658,7 +658,7 @@
           <a:bodyPr/>
           <a:lstStyle/>
           <a:p>
-            <a:fld id="{6D654D68-66EA-4448-8F8B-41B128372DAE}" type="datetimeFigureOut">
+            <a:fld id="{1C713123-A116-49C7-97A4-A67734CD4A1B}" type="datetimeFigureOut">
               <a:rPr lang="zh-CN" altLang="en-US" smtClean="0"/>
               <a:t>2024/3/10</a:t>
             </a:fld>
@@ -671,7 +671,7 @@
           <p:cNvPr id="5" name="页脚占位符 4">
             <a:extLst>
               <a:ext uri="{FF2B5EF4-FFF2-40B4-BE49-F238E27FC236}">
-                <a16:creationId xmlns:a16="http://schemas.microsoft.com/office/drawing/2014/main" id="{BCCA5E72-04D1-9B25-6B1E-C67CF9BBAA63}"/>
+                <a16:creationId xmlns:a16="http://schemas.microsoft.com/office/drawing/2014/main" id="{1322BDF4-EC1E-33A7-BDA8-637F80033A79}"/>
               </a:ext>
             </a:extLst>
           </p:cNvPr>
@@ -696,7 +696,7 @@
           <p:cNvPr id="6" name="灯片编号占位符 5">
             <a:extLst>
               <a:ext uri="{FF2B5EF4-FFF2-40B4-BE49-F238E27FC236}">
-                <a16:creationId xmlns:a16="http://schemas.microsoft.com/office/drawing/2014/main" id="{29DB4336-029E-EA9C-8BF1-38B6FD03E156}"/>
+                <a16:creationId xmlns:a16="http://schemas.microsoft.com/office/drawing/2014/main" id="{CDD8A644-8783-224F-3E5C-2F1056AED737}"/>
               </a:ext>
             </a:extLst>
           </p:cNvPr>
@@ -712,7 +712,7 @@
           <a:bodyPr/>
           <a:lstStyle/>
           <a:p>
-            <a:fld id="{C95FBE8C-476E-4211-A347-745D0C580D04}" type="slidenum">
+            <a:fld id="{52A4AE9B-524B-40F1-9EEB-3418067A2A03}" type="slidenum">
               <a:rPr lang="zh-CN" altLang="en-US" smtClean="0"/>
               <a:t>‹#›</a:t>
             </a:fld>
@@ -723,7 +723,7 @@
     </p:spTree>
     <p:extLst>
       <p:ext uri="{BB962C8B-B14F-4D97-AF65-F5344CB8AC3E}">
-        <p14:creationId xmlns:p14="http://schemas.microsoft.com/office/powerpoint/2010/main" val="1738869989"/>
+        <p14:creationId xmlns:p14="http://schemas.microsoft.com/office/powerpoint/2010/main" val="1811786693"/>
       </p:ext>
     </p:extLst>
   </p:cSld>
@@ -755,7 +755,7 @@
           <p:cNvPr id="2" name="标题 1">
             <a:extLst>
               <a:ext uri="{FF2B5EF4-FFF2-40B4-BE49-F238E27FC236}">
-                <a16:creationId xmlns:a16="http://schemas.microsoft.com/office/drawing/2014/main" id="{B6D1C8F1-3160-EB2B-F198-3F4A7B2E7F02}"/>
+                <a16:creationId xmlns:a16="http://schemas.microsoft.com/office/drawing/2014/main" id="{5A21BB3B-9BAE-0169-F42F-DA6C51D045C1}"/>
               </a:ext>
             </a:extLst>
           </p:cNvPr>
@@ -783,7 +783,7 @@
           <p:cNvPr id="3" name="内容占位符 2">
             <a:extLst>
               <a:ext uri="{FF2B5EF4-FFF2-40B4-BE49-F238E27FC236}">
-                <a16:creationId xmlns:a16="http://schemas.microsoft.com/office/drawing/2014/main" id="{2405B530-D516-707F-A9F1-B4FE6FA1AE5E}"/>
+                <a16:creationId xmlns:a16="http://schemas.microsoft.com/office/drawing/2014/main" id="{EFACDF17-008F-0E32-63BB-986160B30287}"/>
               </a:ext>
             </a:extLst>
           </p:cNvPr>
@@ -840,7 +840,7 @@
           <p:cNvPr id="4" name="日期占位符 3">
             <a:extLst>
               <a:ext uri="{FF2B5EF4-FFF2-40B4-BE49-F238E27FC236}">
-                <a16:creationId xmlns:a16="http://schemas.microsoft.com/office/drawing/2014/main" id="{689B72D4-9822-8ED9-1948-A3E51667743A}"/>
+                <a16:creationId xmlns:a16="http://schemas.microsoft.com/office/drawing/2014/main" id="{59C22302-191E-17B8-DD9B-807ABD483975}"/>
               </a:ext>
             </a:extLst>
           </p:cNvPr>
@@ -856,7 +856,7 @@
           <a:bodyPr/>
           <a:lstStyle/>
           <a:p>
-            <a:fld id="{6D654D68-66EA-4448-8F8B-41B128372DAE}" type="datetimeFigureOut">
+            <a:fld id="{1C713123-A116-49C7-97A4-A67734CD4A1B}" type="datetimeFigureOut">
               <a:rPr lang="zh-CN" altLang="en-US" smtClean="0"/>
               <a:t>2024/3/10</a:t>
             </a:fld>
@@ -869,7 +869,7 @@
           <p:cNvPr id="5" name="页脚占位符 4">
             <a:extLst>
               <a:ext uri="{FF2B5EF4-FFF2-40B4-BE49-F238E27FC236}">
-                <a16:creationId xmlns:a16="http://schemas.microsoft.com/office/drawing/2014/main" id="{77FD68AC-6DBB-7F09-BD1B-F87570757076}"/>
+                <a16:creationId xmlns:a16="http://schemas.microsoft.com/office/drawing/2014/main" id="{4F7E812B-3CFA-2BF4-B7DE-9E5618D01E22}"/>
               </a:ext>
             </a:extLst>
           </p:cNvPr>
@@ -894,7 +894,7 @@
           <p:cNvPr id="6" name="灯片编号占位符 5">
             <a:extLst>
               <a:ext uri="{FF2B5EF4-FFF2-40B4-BE49-F238E27FC236}">
-                <a16:creationId xmlns:a16="http://schemas.microsoft.com/office/drawing/2014/main" id="{557E7204-EEC1-3100-C881-1B38D3A8D670}"/>
+                <a16:creationId xmlns:a16="http://schemas.microsoft.com/office/drawing/2014/main" id="{936F480E-19C9-281A-5B4A-9951DE813DB0}"/>
               </a:ext>
             </a:extLst>
           </p:cNvPr>
@@ -910,7 +910,7 @@
           <a:bodyPr/>
           <a:lstStyle/>
           <a:p>
-            <a:fld id="{C95FBE8C-476E-4211-A347-745D0C580D04}" type="slidenum">
+            <a:fld id="{52A4AE9B-524B-40F1-9EEB-3418067A2A03}" type="slidenum">
               <a:rPr lang="zh-CN" altLang="en-US" smtClean="0"/>
               <a:t>‹#›</a:t>
             </a:fld>
@@ -921,7 +921,7 @@
     </p:spTree>
     <p:extLst>
       <p:ext uri="{BB962C8B-B14F-4D97-AF65-F5344CB8AC3E}">
-        <p14:creationId xmlns:p14="http://schemas.microsoft.com/office/powerpoint/2010/main" val="1987845775"/>
+        <p14:creationId xmlns:p14="http://schemas.microsoft.com/office/powerpoint/2010/main" val="3113934921"/>
       </p:ext>
     </p:extLst>
   </p:cSld>
@@ -953,7 +953,7 @@
           <p:cNvPr id="2" name="标题 1">
             <a:extLst>
               <a:ext uri="{FF2B5EF4-FFF2-40B4-BE49-F238E27FC236}">
-                <a16:creationId xmlns:a16="http://schemas.microsoft.com/office/drawing/2014/main" id="{7BA02AD3-2AE9-2FD5-7385-926953B9FFD5}"/>
+                <a16:creationId xmlns:a16="http://schemas.microsoft.com/office/drawing/2014/main" id="{25BFC73B-D6C9-6D5C-18F8-47A2C85E12B4}"/>
               </a:ext>
             </a:extLst>
           </p:cNvPr>
@@ -990,7 +990,7 @@
           <p:cNvPr id="3" name="文本占位符 2">
             <a:extLst>
               <a:ext uri="{FF2B5EF4-FFF2-40B4-BE49-F238E27FC236}">
-                <a16:creationId xmlns:a16="http://schemas.microsoft.com/office/drawing/2014/main" id="{C44167DA-06AE-F8A7-8893-10A5FC01282D}"/>
+                <a16:creationId xmlns:a16="http://schemas.microsoft.com/office/drawing/2014/main" id="{4CFF5602-1557-CCBC-440F-C6DDDEF6F404}"/>
               </a:ext>
             </a:extLst>
           </p:cNvPr>
@@ -1115,7 +1115,7 @@
           <p:cNvPr id="4" name="日期占位符 3">
             <a:extLst>
               <a:ext uri="{FF2B5EF4-FFF2-40B4-BE49-F238E27FC236}">
-                <a16:creationId xmlns:a16="http://schemas.microsoft.com/office/drawing/2014/main" id="{E4B3F964-2ADB-EBEE-B008-A80AD52519ED}"/>
+                <a16:creationId xmlns:a16="http://schemas.microsoft.com/office/drawing/2014/main" id="{371717A6-AF97-E91D-E6DA-8AAE2E330534}"/>
               </a:ext>
             </a:extLst>
           </p:cNvPr>
@@ -1131,7 +1131,7 @@
           <a:bodyPr/>
           <a:lstStyle/>
           <a:p>
-            <a:fld id="{6D654D68-66EA-4448-8F8B-41B128372DAE}" type="datetimeFigureOut">
+            <a:fld id="{1C713123-A116-49C7-97A4-A67734CD4A1B}" type="datetimeFigureOut">
               <a:rPr lang="zh-CN" altLang="en-US" smtClean="0"/>
               <a:t>2024/3/10</a:t>
             </a:fld>
@@ -1144,7 +1144,7 @@
           <p:cNvPr id="5" name="页脚占位符 4">
             <a:extLst>
               <a:ext uri="{FF2B5EF4-FFF2-40B4-BE49-F238E27FC236}">
-                <a16:creationId xmlns:a16="http://schemas.microsoft.com/office/drawing/2014/main" id="{C032DDF3-EA78-BC5D-E27D-F6A8A50DEE53}"/>
+                <a16:creationId xmlns:a16="http://schemas.microsoft.com/office/drawing/2014/main" id="{0DA00AFB-9F01-50BC-6300-90F5E02C8E77}"/>
               </a:ext>
             </a:extLst>
           </p:cNvPr>
@@ -1169,7 +1169,7 @@
           <p:cNvPr id="6" name="灯片编号占位符 5">
             <a:extLst>
               <a:ext uri="{FF2B5EF4-FFF2-40B4-BE49-F238E27FC236}">
-                <a16:creationId xmlns:a16="http://schemas.microsoft.com/office/drawing/2014/main" id="{B9BA1117-94E6-EB26-3E8A-A920934A5847}"/>
+                <a16:creationId xmlns:a16="http://schemas.microsoft.com/office/drawing/2014/main" id="{37A31F44-E869-5D6C-E529-A91FA1B57DC0}"/>
               </a:ext>
             </a:extLst>
           </p:cNvPr>
@@ -1185,7 +1185,7 @@
           <a:bodyPr/>
           <a:lstStyle/>
           <a:p>
-            <a:fld id="{C95FBE8C-476E-4211-A347-745D0C580D04}" type="slidenum">
+            <a:fld id="{52A4AE9B-524B-40F1-9EEB-3418067A2A03}" type="slidenum">
               <a:rPr lang="zh-CN" altLang="en-US" smtClean="0"/>
               <a:t>‹#›</a:t>
             </a:fld>
@@ -1196,7 +1196,7 @@
     </p:spTree>
     <p:extLst>
       <p:ext uri="{BB962C8B-B14F-4D97-AF65-F5344CB8AC3E}">
-        <p14:creationId xmlns:p14="http://schemas.microsoft.com/office/powerpoint/2010/main" val="2237888444"/>
+        <p14:creationId xmlns:p14="http://schemas.microsoft.com/office/powerpoint/2010/main" val="3812826115"/>
       </p:ext>
     </p:extLst>
   </p:cSld>
@@ -1228,7 +1228,7 @@
           <p:cNvPr id="2" name="标题 1">
             <a:extLst>
               <a:ext uri="{FF2B5EF4-FFF2-40B4-BE49-F238E27FC236}">
-                <a16:creationId xmlns:a16="http://schemas.microsoft.com/office/drawing/2014/main" id="{C4618921-C4D5-E64B-CE9E-712402718A42}"/>
+                <a16:creationId xmlns:a16="http://schemas.microsoft.com/office/drawing/2014/main" id="{2F15EFC9-74F1-00E1-70F3-7C6B99B9EDEE}"/>
               </a:ext>
             </a:extLst>
           </p:cNvPr>
@@ -1256,7 +1256,7 @@
           <p:cNvPr id="3" name="内容占位符 2">
             <a:extLst>
               <a:ext uri="{FF2B5EF4-FFF2-40B4-BE49-F238E27FC236}">
-                <a16:creationId xmlns:a16="http://schemas.microsoft.com/office/drawing/2014/main" id="{23EE3690-8B4F-1959-D72B-03EA049A4CA1}"/>
+                <a16:creationId xmlns:a16="http://schemas.microsoft.com/office/drawing/2014/main" id="{913263F2-FC1D-F052-DD13-96C50960D800}"/>
               </a:ext>
             </a:extLst>
           </p:cNvPr>
@@ -1318,7 +1318,7 @@
           <p:cNvPr id="4" name="内容占位符 3">
             <a:extLst>
               <a:ext uri="{FF2B5EF4-FFF2-40B4-BE49-F238E27FC236}">
-                <a16:creationId xmlns:a16="http://schemas.microsoft.com/office/drawing/2014/main" id="{60EC70C9-241A-B2FF-06AA-D4A63B0E253B}"/>
+                <a16:creationId xmlns:a16="http://schemas.microsoft.com/office/drawing/2014/main" id="{56395FC4-8175-5C78-4E91-2AC1090BE0CC}"/>
               </a:ext>
             </a:extLst>
           </p:cNvPr>
@@ -1380,7 +1380,7 @@
           <p:cNvPr id="5" name="日期占位符 4">
             <a:extLst>
               <a:ext uri="{FF2B5EF4-FFF2-40B4-BE49-F238E27FC236}">
-                <a16:creationId xmlns:a16="http://schemas.microsoft.com/office/drawing/2014/main" id="{03ACA14E-6733-CDFC-6A79-33809A53EB80}"/>
+                <a16:creationId xmlns:a16="http://schemas.microsoft.com/office/drawing/2014/main" id="{F0022EDE-CCFD-CBBE-6EAF-C0F301EDBFDC}"/>
               </a:ext>
             </a:extLst>
           </p:cNvPr>
@@ -1396,7 +1396,7 @@
           <a:bodyPr/>
           <a:lstStyle/>
           <a:p>
-            <a:fld id="{6D654D68-66EA-4448-8F8B-41B128372DAE}" type="datetimeFigureOut">
+            <a:fld id="{1C713123-A116-49C7-97A4-A67734CD4A1B}" type="datetimeFigureOut">
               <a:rPr lang="zh-CN" altLang="en-US" smtClean="0"/>
               <a:t>2024/3/10</a:t>
             </a:fld>
@@ -1409,7 +1409,7 @@
           <p:cNvPr id="6" name="页脚占位符 5">
             <a:extLst>
               <a:ext uri="{FF2B5EF4-FFF2-40B4-BE49-F238E27FC236}">
-                <a16:creationId xmlns:a16="http://schemas.microsoft.com/office/drawing/2014/main" id="{AA715ECB-3C20-2E2C-A6A1-F86738733930}"/>
+                <a16:creationId xmlns:a16="http://schemas.microsoft.com/office/drawing/2014/main" id="{287D8DBC-70B5-4DF4-D5A6-1DB4E4D499C0}"/>
               </a:ext>
             </a:extLst>
           </p:cNvPr>
@@ -1434,7 +1434,7 @@
           <p:cNvPr id="7" name="灯片编号占位符 6">
             <a:extLst>
               <a:ext uri="{FF2B5EF4-FFF2-40B4-BE49-F238E27FC236}">
-                <a16:creationId xmlns:a16="http://schemas.microsoft.com/office/drawing/2014/main" id="{AB607BA7-9E4E-1219-A193-14104D947B9B}"/>
+                <a16:creationId xmlns:a16="http://schemas.microsoft.com/office/drawing/2014/main" id="{910F0998-4D0B-11EC-6CF5-E90E2B13E64B}"/>
               </a:ext>
             </a:extLst>
           </p:cNvPr>
@@ -1450,7 +1450,7 @@
           <a:bodyPr/>
           <a:lstStyle/>
           <a:p>
-            <a:fld id="{C95FBE8C-476E-4211-A347-745D0C580D04}" type="slidenum">
+            <a:fld id="{52A4AE9B-524B-40F1-9EEB-3418067A2A03}" type="slidenum">
               <a:rPr lang="zh-CN" altLang="en-US" smtClean="0"/>
               <a:t>‹#›</a:t>
             </a:fld>
@@ -1461,7 +1461,7 @@
     </p:spTree>
     <p:extLst>
       <p:ext uri="{BB962C8B-B14F-4D97-AF65-F5344CB8AC3E}">
-        <p14:creationId xmlns:p14="http://schemas.microsoft.com/office/powerpoint/2010/main" val="1534919102"/>
+        <p14:creationId xmlns:p14="http://schemas.microsoft.com/office/powerpoint/2010/main" val="1085845250"/>
       </p:ext>
     </p:extLst>
   </p:cSld>
@@ -1493,7 +1493,7 @@
           <p:cNvPr id="2" name="标题 1">
             <a:extLst>
               <a:ext uri="{FF2B5EF4-FFF2-40B4-BE49-F238E27FC236}">
-                <a16:creationId xmlns:a16="http://schemas.microsoft.com/office/drawing/2014/main" id="{96382575-7096-1457-AAAE-45B32525665E}"/>
+                <a16:creationId xmlns:a16="http://schemas.microsoft.com/office/drawing/2014/main" id="{C0127AC4-3690-7C9C-F0FB-06542C085470}"/>
               </a:ext>
             </a:extLst>
           </p:cNvPr>
@@ -1526,7 +1526,7 @@
           <p:cNvPr id="3" name="文本占位符 2">
             <a:extLst>
               <a:ext uri="{FF2B5EF4-FFF2-40B4-BE49-F238E27FC236}">
-                <a16:creationId xmlns:a16="http://schemas.microsoft.com/office/drawing/2014/main" id="{6ED733C6-51F8-31BB-3CCA-0076F881751F}"/>
+                <a16:creationId xmlns:a16="http://schemas.microsoft.com/office/drawing/2014/main" id="{02E4EE76-0C7B-5726-2644-7D938C98D402}"/>
               </a:ext>
             </a:extLst>
           </p:cNvPr>
@@ -1597,7 +1597,7 @@
           <p:cNvPr id="4" name="内容占位符 3">
             <a:extLst>
               <a:ext uri="{FF2B5EF4-FFF2-40B4-BE49-F238E27FC236}">
-                <a16:creationId xmlns:a16="http://schemas.microsoft.com/office/drawing/2014/main" id="{7B570302-E38D-FD78-B80C-812929F363DC}"/>
+                <a16:creationId xmlns:a16="http://schemas.microsoft.com/office/drawing/2014/main" id="{B8C093BE-2808-BA22-2216-385C6F742FB2}"/>
               </a:ext>
             </a:extLst>
           </p:cNvPr>
@@ -1659,7 +1659,7 @@
           <p:cNvPr id="5" name="文本占位符 4">
             <a:extLst>
               <a:ext uri="{FF2B5EF4-FFF2-40B4-BE49-F238E27FC236}">
-                <a16:creationId xmlns:a16="http://schemas.microsoft.com/office/drawing/2014/main" id="{C477B1A8-613E-BABE-E609-84F292DCECF3}"/>
+                <a16:creationId xmlns:a16="http://schemas.microsoft.com/office/drawing/2014/main" id="{73AD8440-8043-68B2-9954-3F7D8A304BF4}"/>
               </a:ext>
             </a:extLst>
           </p:cNvPr>
@@ -1730,7 +1730,7 @@
           <p:cNvPr id="6" name="内容占位符 5">
             <a:extLst>
               <a:ext uri="{FF2B5EF4-FFF2-40B4-BE49-F238E27FC236}">
-                <a16:creationId xmlns:a16="http://schemas.microsoft.com/office/drawing/2014/main" id="{4CF02F83-B652-D78C-1290-813C8CB6A923}"/>
+                <a16:creationId xmlns:a16="http://schemas.microsoft.com/office/drawing/2014/main" id="{BB08FB99-8A6B-B451-28F7-53A9A8DA207E}"/>
               </a:ext>
             </a:extLst>
           </p:cNvPr>
@@ -1792,7 +1792,7 @@
           <p:cNvPr id="7" name="日期占位符 6">
             <a:extLst>
               <a:ext uri="{FF2B5EF4-FFF2-40B4-BE49-F238E27FC236}">
-                <a16:creationId xmlns:a16="http://schemas.microsoft.com/office/drawing/2014/main" id="{110B4AFB-0CC5-FCF4-2C78-0C4074007BDD}"/>
+                <a16:creationId xmlns:a16="http://schemas.microsoft.com/office/drawing/2014/main" id="{1262C664-FCE7-AB16-965E-6BD5F0297B85}"/>
               </a:ext>
             </a:extLst>
           </p:cNvPr>
@@ -1808,7 +1808,7 @@
           <a:bodyPr/>
           <a:lstStyle/>
           <a:p>
-            <a:fld id="{6D654D68-66EA-4448-8F8B-41B128372DAE}" type="datetimeFigureOut">
+            <a:fld id="{1C713123-A116-49C7-97A4-A67734CD4A1B}" type="datetimeFigureOut">
               <a:rPr lang="zh-CN" altLang="en-US" smtClean="0"/>
               <a:t>2024/3/10</a:t>
             </a:fld>
@@ -1821,7 +1821,7 @@
           <p:cNvPr id="8" name="页脚占位符 7">
             <a:extLst>
               <a:ext uri="{FF2B5EF4-FFF2-40B4-BE49-F238E27FC236}">
-                <a16:creationId xmlns:a16="http://schemas.microsoft.com/office/drawing/2014/main" id="{C78E862D-A58F-6815-FD20-569A712E277A}"/>
+                <a16:creationId xmlns:a16="http://schemas.microsoft.com/office/drawing/2014/main" id="{626CD622-DB13-FF31-31D7-1B5FDFCDA547}"/>
               </a:ext>
             </a:extLst>
           </p:cNvPr>
@@ -1846,7 +1846,7 @@
           <p:cNvPr id="9" name="灯片编号占位符 8">
             <a:extLst>
               <a:ext uri="{FF2B5EF4-FFF2-40B4-BE49-F238E27FC236}">
-                <a16:creationId xmlns:a16="http://schemas.microsoft.com/office/drawing/2014/main" id="{49D689F1-2BE6-E2B9-D72E-F089137738C5}"/>
+                <a16:creationId xmlns:a16="http://schemas.microsoft.com/office/drawing/2014/main" id="{EDCD5D87-2F27-7723-94DB-68105895B678}"/>
               </a:ext>
             </a:extLst>
           </p:cNvPr>
@@ -1862,7 +1862,7 @@
           <a:bodyPr/>
           <a:lstStyle/>
           <a:p>
-            <a:fld id="{C95FBE8C-476E-4211-A347-745D0C580D04}" type="slidenum">
+            <a:fld id="{52A4AE9B-524B-40F1-9EEB-3418067A2A03}" type="slidenum">
               <a:rPr lang="zh-CN" altLang="en-US" smtClean="0"/>
               <a:t>‹#›</a:t>
             </a:fld>
@@ -1873,7 +1873,7 @@
     </p:spTree>
     <p:extLst>
       <p:ext uri="{BB962C8B-B14F-4D97-AF65-F5344CB8AC3E}">
-        <p14:creationId xmlns:p14="http://schemas.microsoft.com/office/powerpoint/2010/main" val="2599937730"/>
+        <p14:creationId xmlns:p14="http://schemas.microsoft.com/office/powerpoint/2010/main" val="4120022338"/>
       </p:ext>
     </p:extLst>
   </p:cSld>
@@ -1905,7 +1905,7 @@
           <p:cNvPr id="2" name="标题 1">
             <a:extLst>
               <a:ext uri="{FF2B5EF4-FFF2-40B4-BE49-F238E27FC236}">
-                <a16:creationId xmlns:a16="http://schemas.microsoft.com/office/drawing/2014/main" id="{C23A5D37-8B09-F640-2DF3-1A890CC1FB2E}"/>
+                <a16:creationId xmlns:a16="http://schemas.microsoft.com/office/drawing/2014/main" id="{A86D8878-7D69-A371-4A75-E09B68855116}"/>
               </a:ext>
             </a:extLst>
           </p:cNvPr>
@@ -1933,7 +1933,7 @@
           <p:cNvPr id="3" name="日期占位符 2">
             <a:extLst>
               <a:ext uri="{FF2B5EF4-FFF2-40B4-BE49-F238E27FC236}">
-                <a16:creationId xmlns:a16="http://schemas.microsoft.com/office/drawing/2014/main" id="{6426ED92-E48E-99A3-E9CE-8DA48E8CFCC2}"/>
+                <a16:creationId xmlns:a16="http://schemas.microsoft.com/office/drawing/2014/main" id="{FD8B4E44-E455-8207-DBA5-536B9F9DFDA5}"/>
               </a:ext>
             </a:extLst>
           </p:cNvPr>
@@ -1949,7 +1949,7 @@
           <a:bodyPr/>
           <a:lstStyle/>
           <a:p>
-            <a:fld id="{6D654D68-66EA-4448-8F8B-41B128372DAE}" type="datetimeFigureOut">
+            <a:fld id="{1C713123-A116-49C7-97A4-A67734CD4A1B}" type="datetimeFigureOut">
               <a:rPr lang="zh-CN" altLang="en-US" smtClean="0"/>
               <a:t>2024/3/10</a:t>
             </a:fld>
@@ -1962,7 +1962,7 @@
           <p:cNvPr id="4" name="页脚占位符 3">
             <a:extLst>
               <a:ext uri="{FF2B5EF4-FFF2-40B4-BE49-F238E27FC236}">
-                <a16:creationId xmlns:a16="http://schemas.microsoft.com/office/drawing/2014/main" id="{1E8889A2-EDF2-558B-3038-994163A53D4B}"/>
+                <a16:creationId xmlns:a16="http://schemas.microsoft.com/office/drawing/2014/main" id="{4617A9F8-DE24-BCFF-51FD-04B08B785614}"/>
               </a:ext>
             </a:extLst>
           </p:cNvPr>
@@ -1987,7 +1987,7 @@
           <p:cNvPr id="5" name="灯片编号占位符 4">
             <a:extLst>
               <a:ext uri="{FF2B5EF4-FFF2-40B4-BE49-F238E27FC236}">
-                <a16:creationId xmlns:a16="http://schemas.microsoft.com/office/drawing/2014/main" id="{ADD86B4F-E467-9841-AFEB-44549C0BC321}"/>
+                <a16:creationId xmlns:a16="http://schemas.microsoft.com/office/drawing/2014/main" id="{50F00E93-1B06-D241-2A4A-F3624FB2DF02}"/>
               </a:ext>
             </a:extLst>
           </p:cNvPr>
@@ -2003,7 +2003,7 @@
           <a:bodyPr/>
           <a:lstStyle/>
           <a:p>
-            <a:fld id="{C95FBE8C-476E-4211-A347-745D0C580D04}" type="slidenum">
+            <a:fld id="{52A4AE9B-524B-40F1-9EEB-3418067A2A03}" type="slidenum">
               <a:rPr lang="zh-CN" altLang="en-US" smtClean="0"/>
               <a:t>‹#›</a:t>
             </a:fld>
@@ -2014,7 +2014,7 @@
     </p:spTree>
     <p:extLst>
       <p:ext uri="{BB962C8B-B14F-4D97-AF65-F5344CB8AC3E}">
-        <p14:creationId xmlns:p14="http://schemas.microsoft.com/office/powerpoint/2010/main" val="1507965929"/>
+        <p14:creationId xmlns:p14="http://schemas.microsoft.com/office/powerpoint/2010/main" val="1523786598"/>
       </p:ext>
     </p:extLst>
   </p:cSld>
@@ -2046,7 +2046,7 @@
           <p:cNvPr id="2" name="日期占位符 1">
             <a:extLst>
               <a:ext uri="{FF2B5EF4-FFF2-40B4-BE49-F238E27FC236}">
-                <a16:creationId xmlns:a16="http://schemas.microsoft.com/office/drawing/2014/main" id="{76DA0678-039B-7C47-AC01-F776397486A2}"/>
+                <a16:creationId xmlns:a16="http://schemas.microsoft.com/office/drawing/2014/main" id="{D353BB7E-A3D7-3176-0802-4132A78E0CD2}"/>
               </a:ext>
             </a:extLst>
           </p:cNvPr>
@@ -2062,7 +2062,7 @@
           <a:bodyPr/>
           <a:lstStyle/>
           <a:p>
-            <a:fld id="{6D654D68-66EA-4448-8F8B-41B128372DAE}" type="datetimeFigureOut">
+            <a:fld id="{1C713123-A116-49C7-97A4-A67734CD4A1B}" type="datetimeFigureOut">
               <a:rPr lang="zh-CN" altLang="en-US" smtClean="0"/>
               <a:t>2024/3/10</a:t>
             </a:fld>
@@ -2075,7 +2075,7 @@
           <p:cNvPr id="3" name="页脚占位符 2">
             <a:extLst>
               <a:ext uri="{FF2B5EF4-FFF2-40B4-BE49-F238E27FC236}">
-                <a16:creationId xmlns:a16="http://schemas.microsoft.com/office/drawing/2014/main" id="{852B0821-ECB7-5442-4D49-E010A783FFA0}"/>
+                <a16:creationId xmlns:a16="http://schemas.microsoft.com/office/drawing/2014/main" id="{DC5E1E6D-60E5-875B-3896-4474128D2165}"/>
               </a:ext>
             </a:extLst>
           </p:cNvPr>
@@ -2100,7 +2100,7 @@
           <p:cNvPr id="4" name="灯片编号占位符 3">
             <a:extLst>
               <a:ext uri="{FF2B5EF4-FFF2-40B4-BE49-F238E27FC236}">
-                <a16:creationId xmlns:a16="http://schemas.microsoft.com/office/drawing/2014/main" id="{A83C209A-7F9F-0E10-BD26-5CBCAEFAEE3A}"/>
+                <a16:creationId xmlns:a16="http://schemas.microsoft.com/office/drawing/2014/main" id="{97BACA66-2094-F0F5-2B39-712767E5B315}"/>
               </a:ext>
             </a:extLst>
           </p:cNvPr>
@@ -2116,7 +2116,7 @@
           <a:bodyPr/>
           <a:lstStyle/>
           <a:p>
-            <a:fld id="{C95FBE8C-476E-4211-A347-745D0C580D04}" type="slidenum">
+            <a:fld id="{52A4AE9B-524B-40F1-9EEB-3418067A2A03}" type="slidenum">
               <a:rPr lang="zh-CN" altLang="en-US" smtClean="0"/>
               <a:t>‹#›</a:t>
             </a:fld>
@@ -2127,7 +2127,7 @@
     </p:spTree>
     <p:extLst>
       <p:ext uri="{BB962C8B-B14F-4D97-AF65-F5344CB8AC3E}">
-        <p14:creationId xmlns:p14="http://schemas.microsoft.com/office/powerpoint/2010/main" val="4256201374"/>
+        <p14:creationId xmlns:p14="http://schemas.microsoft.com/office/powerpoint/2010/main" val="2810003994"/>
       </p:ext>
     </p:extLst>
   </p:cSld>
@@ -2159,7 +2159,7 @@
           <p:cNvPr id="2" name="标题 1">
             <a:extLst>
               <a:ext uri="{FF2B5EF4-FFF2-40B4-BE49-F238E27FC236}">
-                <a16:creationId xmlns:a16="http://schemas.microsoft.com/office/drawing/2014/main" id="{C4C97289-189C-63E8-A0C2-950BA60304EF}"/>
+                <a16:creationId xmlns:a16="http://schemas.microsoft.com/office/drawing/2014/main" id="{C08A5BE4-5407-4905-4B7C-ECFEAA3AF2BE}"/>
               </a:ext>
             </a:extLst>
           </p:cNvPr>
@@ -2196,7 +2196,7 @@
           <p:cNvPr id="3" name="内容占位符 2">
             <a:extLst>
               <a:ext uri="{FF2B5EF4-FFF2-40B4-BE49-F238E27FC236}">
-                <a16:creationId xmlns:a16="http://schemas.microsoft.com/office/drawing/2014/main" id="{A92A5554-9043-FC9F-5032-8671285F8CCC}"/>
+                <a16:creationId xmlns:a16="http://schemas.microsoft.com/office/drawing/2014/main" id="{2B970E25-A893-3802-198C-6A830B7FDDAB}"/>
               </a:ext>
             </a:extLst>
           </p:cNvPr>
@@ -2286,7 +2286,7 @@
           <p:cNvPr id="4" name="文本占位符 3">
             <a:extLst>
               <a:ext uri="{FF2B5EF4-FFF2-40B4-BE49-F238E27FC236}">
-                <a16:creationId xmlns:a16="http://schemas.microsoft.com/office/drawing/2014/main" id="{3BE62DA3-D81F-24FC-A49B-E9CF254438D2}"/>
+                <a16:creationId xmlns:a16="http://schemas.microsoft.com/office/drawing/2014/main" id="{89C1BB3E-7472-AE56-DBF6-B9D0A95D3B7E}"/>
               </a:ext>
             </a:extLst>
           </p:cNvPr>
@@ -2357,7 +2357,7 @@
           <p:cNvPr id="5" name="日期占位符 4">
             <a:extLst>
               <a:ext uri="{FF2B5EF4-FFF2-40B4-BE49-F238E27FC236}">
-                <a16:creationId xmlns:a16="http://schemas.microsoft.com/office/drawing/2014/main" id="{A44BDB43-56DB-B142-0F79-C6BE9F64E3A8}"/>
+                <a16:creationId xmlns:a16="http://schemas.microsoft.com/office/drawing/2014/main" id="{1F353922-9158-7EB8-AE60-CEA0BEDA4950}"/>
               </a:ext>
             </a:extLst>
           </p:cNvPr>
@@ -2373,7 +2373,7 @@
           <a:bodyPr/>
           <a:lstStyle/>
           <a:p>
-            <a:fld id="{6D654D68-66EA-4448-8F8B-41B128372DAE}" type="datetimeFigureOut">
+            <a:fld id="{1C713123-A116-49C7-97A4-A67734CD4A1B}" type="datetimeFigureOut">
               <a:rPr lang="zh-CN" altLang="en-US" smtClean="0"/>
               <a:t>2024/3/10</a:t>
             </a:fld>
@@ -2386,7 +2386,7 @@
           <p:cNvPr id="6" name="页脚占位符 5">
             <a:extLst>
               <a:ext uri="{FF2B5EF4-FFF2-40B4-BE49-F238E27FC236}">
-                <a16:creationId xmlns:a16="http://schemas.microsoft.com/office/drawing/2014/main" id="{A813B42C-021E-104A-E85C-D646DF51BFC6}"/>
+                <a16:creationId xmlns:a16="http://schemas.microsoft.com/office/drawing/2014/main" id="{AC2A4D5B-5A71-1FB4-4835-23ACBD02AEAC}"/>
               </a:ext>
             </a:extLst>
           </p:cNvPr>
@@ -2411,7 +2411,7 @@
           <p:cNvPr id="7" name="灯片编号占位符 6">
             <a:extLst>
               <a:ext uri="{FF2B5EF4-FFF2-40B4-BE49-F238E27FC236}">
-                <a16:creationId xmlns:a16="http://schemas.microsoft.com/office/drawing/2014/main" id="{C3ADBFA7-9C5A-C7D4-F102-647FC50545BC}"/>
+                <a16:creationId xmlns:a16="http://schemas.microsoft.com/office/drawing/2014/main" id="{583DEAD7-A2CD-78F3-5351-89CCDFE5D153}"/>
               </a:ext>
             </a:extLst>
           </p:cNvPr>
@@ -2427,7 +2427,7 @@
           <a:bodyPr/>
           <a:lstStyle/>
           <a:p>
-            <a:fld id="{C95FBE8C-476E-4211-A347-745D0C580D04}" type="slidenum">
+            <a:fld id="{52A4AE9B-524B-40F1-9EEB-3418067A2A03}" type="slidenum">
               <a:rPr lang="zh-CN" altLang="en-US" smtClean="0"/>
               <a:t>‹#›</a:t>
             </a:fld>
@@ -2438,7 +2438,7 @@
     </p:spTree>
     <p:extLst>
       <p:ext uri="{BB962C8B-B14F-4D97-AF65-F5344CB8AC3E}">
-        <p14:creationId xmlns:p14="http://schemas.microsoft.com/office/powerpoint/2010/main" val="3375983865"/>
+        <p14:creationId xmlns:p14="http://schemas.microsoft.com/office/powerpoint/2010/main" val="1020690043"/>
       </p:ext>
     </p:extLst>
   </p:cSld>
@@ -2470,7 +2470,7 @@
           <p:cNvPr id="2" name="标题 1">
             <a:extLst>
               <a:ext uri="{FF2B5EF4-FFF2-40B4-BE49-F238E27FC236}">
-                <a16:creationId xmlns:a16="http://schemas.microsoft.com/office/drawing/2014/main" id="{09B6348B-8AAE-71DE-D308-2D341DC41707}"/>
+                <a16:creationId xmlns:a16="http://schemas.microsoft.com/office/drawing/2014/main" id="{14E85797-071B-BE45-5725-A89E1BA30843}"/>
               </a:ext>
             </a:extLst>
           </p:cNvPr>
@@ -2507,7 +2507,7 @@
           <p:cNvPr id="3" name="图片占位符 2">
             <a:extLst>
               <a:ext uri="{FF2B5EF4-FFF2-40B4-BE49-F238E27FC236}">
-                <a16:creationId xmlns:a16="http://schemas.microsoft.com/office/drawing/2014/main" id="{885206DE-AD9B-B130-3471-5A6E5D0E75CC}"/>
+                <a16:creationId xmlns:a16="http://schemas.microsoft.com/office/drawing/2014/main" id="{3365EEC7-A7DF-564B-A0C6-153ADF55220E}"/>
               </a:ext>
             </a:extLst>
           </p:cNvPr>
@@ -2574,7 +2574,7 @@
           <p:cNvPr id="4" name="文本占位符 3">
             <a:extLst>
               <a:ext uri="{FF2B5EF4-FFF2-40B4-BE49-F238E27FC236}">
-                <a16:creationId xmlns:a16="http://schemas.microsoft.com/office/drawing/2014/main" id="{6A5BEE65-F0C4-68E1-5ABD-B910006783E1}"/>
+                <a16:creationId xmlns:a16="http://schemas.microsoft.com/office/drawing/2014/main" id="{129F82FF-F756-BB39-F172-CA03B623D507}"/>
               </a:ext>
             </a:extLst>
           </p:cNvPr>
@@ -2645,7 +2645,7 @@
           <p:cNvPr id="5" name="日期占位符 4">
             <a:extLst>
               <a:ext uri="{FF2B5EF4-FFF2-40B4-BE49-F238E27FC236}">
-                <a16:creationId xmlns:a16="http://schemas.microsoft.com/office/drawing/2014/main" id="{EA74C137-23D0-F495-DF7F-ED2DE3EABBDF}"/>
+                <a16:creationId xmlns:a16="http://schemas.microsoft.com/office/drawing/2014/main" id="{7C090313-0269-F6CA-0BAB-062D3264EE59}"/>
               </a:ext>
             </a:extLst>
           </p:cNvPr>
@@ -2661,7 +2661,7 @@
           <a:bodyPr/>
           <a:lstStyle/>
           <a:p>
-            <a:fld id="{6D654D68-66EA-4448-8F8B-41B128372DAE}" type="datetimeFigureOut">
+            <a:fld id="{1C713123-A116-49C7-97A4-A67734CD4A1B}" type="datetimeFigureOut">
               <a:rPr lang="zh-CN" altLang="en-US" smtClean="0"/>
               <a:t>2024/3/10</a:t>
             </a:fld>
@@ -2674,7 +2674,7 @@
           <p:cNvPr id="6" name="页脚占位符 5">
             <a:extLst>
               <a:ext uri="{FF2B5EF4-FFF2-40B4-BE49-F238E27FC236}">
-                <a16:creationId xmlns:a16="http://schemas.microsoft.com/office/drawing/2014/main" id="{A5982B1E-06D1-B74F-0ADB-BA009491FD69}"/>
+                <a16:creationId xmlns:a16="http://schemas.microsoft.com/office/drawing/2014/main" id="{7CCDB896-DD46-D756-6D71-1F82137CBD03}"/>
               </a:ext>
             </a:extLst>
           </p:cNvPr>
@@ -2699,7 +2699,7 @@
           <p:cNvPr id="7" name="灯片编号占位符 6">
             <a:extLst>
               <a:ext uri="{FF2B5EF4-FFF2-40B4-BE49-F238E27FC236}">
-                <a16:creationId xmlns:a16="http://schemas.microsoft.com/office/drawing/2014/main" id="{0AE6C504-B8EC-6114-446B-7EDFFF225051}"/>
+                <a16:creationId xmlns:a16="http://schemas.microsoft.com/office/drawing/2014/main" id="{496EBB9C-8F80-69BE-5C14-BE4DAB4C0A59}"/>
               </a:ext>
             </a:extLst>
           </p:cNvPr>
@@ -2715,7 +2715,7 @@
           <a:bodyPr/>
           <a:lstStyle/>
           <a:p>
-            <a:fld id="{C95FBE8C-476E-4211-A347-745D0C580D04}" type="slidenum">
+            <a:fld id="{52A4AE9B-524B-40F1-9EEB-3418067A2A03}" type="slidenum">
               <a:rPr lang="zh-CN" altLang="en-US" smtClean="0"/>
               <a:t>‹#›</a:t>
             </a:fld>
@@ -2726,7 +2726,7 @@
     </p:spTree>
     <p:extLst>
       <p:ext uri="{BB962C8B-B14F-4D97-AF65-F5344CB8AC3E}">
-        <p14:creationId xmlns:p14="http://schemas.microsoft.com/office/powerpoint/2010/main" val="4181684931"/>
+        <p14:creationId xmlns:p14="http://schemas.microsoft.com/office/powerpoint/2010/main" val="588605603"/>
       </p:ext>
     </p:extLst>
   </p:cSld>
@@ -2763,7 +2763,7 @@
           <p:cNvPr id="2" name="标题占位符 1">
             <a:extLst>
               <a:ext uri="{FF2B5EF4-FFF2-40B4-BE49-F238E27FC236}">
-                <a16:creationId xmlns:a16="http://schemas.microsoft.com/office/drawing/2014/main" id="{4020E70C-796A-274A-11AF-26048811A5EF}"/>
+                <a16:creationId xmlns:a16="http://schemas.microsoft.com/office/drawing/2014/main" id="{A8F48CE2-F014-1483-1EC5-6AAED0137632}"/>
               </a:ext>
             </a:extLst>
           </p:cNvPr>
@@ -2801,7 +2801,7 @@
           <p:cNvPr id="3" name="文本占位符 2">
             <a:extLst>
               <a:ext uri="{FF2B5EF4-FFF2-40B4-BE49-F238E27FC236}">
-                <a16:creationId xmlns:a16="http://schemas.microsoft.com/office/drawing/2014/main" id="{7EEA3F29-4A41-A572-12FD-5B4E948453D2}"/>
+                <a16:creationId xmlns:a16="http://schemas.microsoft.com/office/drawing/2014/main" id="{E4C4CDC9-C987-F9E1-3099-D1A1EFDE91ED}"/>
               </a:ext>
             </a:extLst>
           </p:cNvPr>
@@ -2868,7 +2868,7 @@
           <p:cNvPr id="4" name="日期占位符 3">
             <a:extLst>
               <a:ext uri="{FF2B5EF4-FFF2-40B4-BE49-F238E27FC236}">
-                <a16:creationId xmlns:a16="http://schemas.microsoft.com/office/drawing/2014/main" id="{2C9D0281-125D-6349-8DB3-888DEDD07BED}"/>
+                <a16:creationId xmlns:a16="http://schemas.microsoft.com/office/drawing/2014/main" id="{3757C75B-C09E-3839-D559-D26649EB01F7}"/>
               </a:ext>
             </a:extLst>
           </p:cNvPr>
@@ -2902,7 +2902,7 @@
             </a:lvl1pPr>
           </a:lstStyle>
           <a:p>
-            <a:fld id="{6D654D68-66EA-4448-8F8B-41B128372DAE}" type="datetimeFigureOut">
+            <a:fld id="{1C713123-A116-49C7-97A4-A67734CD4A1B}" type="datetimeFigureOut">
               <a:rPr lang="zh-CN" altLang="en-US" smtClean="0"/>
               <a:t>2024/3/10</a:t>
             </a:fld>
@@ -2915,7 +2915,7 @@
           <p:cNvPr id="5" name="页脚占位符 4">
             <a:extLst>
               <a:ext uri="{FF2B5EF4-FFF2-40B4-BE49-F238E27FC236}">
-                <a16:creationId xmlns:a16="http://schemas.microsoft.com/office/drawing/2014/main" id="{62F6DB70-9F13-82D3-DA23-53752D1BA456}"/>
+                <a16:creationId xmlns:a16="http://schemas.microsoft.com/office/drawing/2014/main" id="{5008FB5A-9436-9D21-6A03-297125097D27}"/>
               </a:ext>
             </a:extLst>
           </p:cNvPr>
@@ -2958,7 +2958,7 @@
           <p:cNvPr id="6" name="灯片编号占位符 5">
             <a:extLst>
               <a:ext uri="{FF2B5EF4-FFF2-40B4-BE49-F238E27FC236}">
-                <a16:creationId xmlns:a16="http://schemas.microsoft.com/office/drawing/2014/main" id="{D0781AD3-2D26-BC6F-4017-4C5121AA1DB8}"/>
+                <a16:creationId xmlns:a16="http://schemas.microsoft.com/office/drawing/2014/main" id="{0372501A-A536-C0AF-DF10-097321DCD372}"/>
               </a:ext>
             </a:extLst>
           </p:cNvPr>
@@ -2992,7 +2992,7 @@
             </a:lvl1pPr>
           </a:lstStyle>
           <a:p>
-            <a:fld id="{C95FBE8C-476E-4211-A347-745D0C580D04}" type="slidenum">
+            <a:fld id="{52A4AE9B-524B-40F1-9EEB-3418067A2A03}" type="slidenum">
               <a:rPr lang="zh-CN" altLang="en-US" smtClean="0"/>
               <a:t>‹#›</a:t>
             </a:fld>
@@ -3003,7 +3003,7 @@
     </p:spTree>
     <p:extLst>
       <p:ext uri="{BB962C8B-B14F-4D97-AF65-F5344CB8AC3E}">
-        <p14:creationId xmlns:p14="http://schemas.microsoft.com/office/powerpoint/2010/main" val="1967975952"/>
+        <p14:creationId xmlns:p14="http://schemas.microsoft.com/office/powerpoint/2010/main" val="3649384363"/>
       </p:ext>
     </p:extLst>
   </p:cSld>
